--- a/00_Welcome_v1.0.pptx
+++ b/00_Welcome_v1.0.pptx
@@ -6,8 +6,8 @@
   </p:sldMasterIdLst>
   <p:sldIdLst>
     <p:sldId id="256" r:id="rId2"/>
-    <p:sldId id="261" r:id="rId3"/>
-    <p:sldId id="260" r:id="rId4"/>
+    <p:sldId id="260" r:id="rId3"/>
+    <p:sldId id="261" r:id="rId4"/>
   </p:sldIdLst>
   <p:sldSz cx="12192000" cy="6858000"/>
   <p:notesSz cx="6858000" cy="9144000"/>
@@ -3165,6 +3165,10 @@
           <a:bodyPr/>
           <a:lstStyle/>
           <a:p>
+            <a:r>
+              <a:rPr lang="pl-PL" dirty="0"/>
+              <a:t>Agenda</a:t>
+            </a:r>
             <a:endParaRPr lang="en-GB" dirty="0"/>
           </a:p>
         </p:txBody>
@@ -3186,26 +3190,52 @@
           </a:xfrm>
         </p:spPr>
         <p:txBody>
-          <a:bodyPr>
-            <a:normAutofit/>
-          </a:bodyPr>
-          <a:lstStyle/>
-          <a:p>
-            <a:pPr marL="0" indent="0">
-              <a:buNone/>
-            </a:pPr>
-            <a:r>
-              <a:rPr lang="pl-PL" sz="3200" dirty="0"/>
-              <a:t>Introductions</a:t>
-            </a:r>
-            <a:endParaRPr lang="en-GB" sz="3200" dirty="0"/>
+          <a:bodyPr/>
+          <a:lstStyle/>
+          <a:p>
+            <a:r>
+              <a:rPr lang="pl-PL" sz="4000" dirty="0"/>
+              <a:t>Open Science and FAIR, </a:t>
+            </a:r>
+          </a:p>
+          <a:p>
+            <a:r>
+              <a:rPr lang="en-GB" sz="4000" dirty="0"/>
+              <a:t>Metadata</a:t>
+            </a:r>
+            <a:endParaRPr lang="pl-PL" sz="4000" dirty="0"/>
+          </a:p>
+          <a:p>
+            <a:r>
+              <a:rPr lang="pl-PL" sz="4000" dirty="0"/>
+              <a:t>Tidy (meta)data in Excel</a:t>
+            </a:r>
+          </a:p>
+          <a:p>
+            <a:r>
+              <a:rPr lang="pl-PL" sz="4000" dirty="0"/>
+              <a:t>Files organization</a:t>
+            </a:r>
+          </a:p>
+          <a:p>
+            <a:r>
+              <a:rPr lang="pl-PL" sz="4000" dirty="0"/>
+              <a:t>Jupyter for reusable analysis</a:t>
+            </a:r>
+          </a:p>
+          <a:p>
+            <a:r>
+              <a:rPr lang="pl-PL" sz="4000" dirty="0"/>
+              <a:t>Public repositories</a:t>
+            </a:r>
+            <a:endParaRPr lang="en-GB" sz="4000" dirty="0"/>
           </a:p>
         </p:txBody>
       </p:sp>
     </p:spTree>
     <p:extLst>
       <p:ext uri="{BB962C8B-B14F-4D97-AF65-F5344CB8AC3E}">
-        <p14:creationId xmlns:p14="http://schemas.microsoft.com/office/powerpoint/2010/main" val="4055394314"/>
+        <p14:creationId xmlns:p14="http://schemas.microsoft.com/office/powerpoint/2010/main" val="900543552"/>
       </p:ext>
     </p:extLst>
   </p:cSld>
@@ -3252,10 +3282,6 @@
           <a:bodyPr/>
           <a:lstStyle/>
           <a:p>
-            <a:r>
-              <a:rPr lang="pl-PL" dirty="0"/>
-              <a:t>Agenda</a:t>
-            </a:r>
             <a:endParaRPr lang="en-GB" dirty="0"/>
           </a:p>
         </p:txBody>
@@ -3277,52 +3303,26 @@
           </a:xfrm>
         </p:spPr>
         <p:txBody>
-          <a:bodyPr/>
-          <a:lstStyle/>
-          <a:p>
-            <a:r>
-              <a:rPr lang="pl-PL" sz="4000" dirty="0"/>
-              <a:t>Open Science and FAIR, </a:t>
-            </a:r>
-          </a:p>
-          <a:p>
-            <a:r>
-              <a:rPr lang="en-GB" sz="4000" dirty="0"/>
-              <a:t>Metadata</a:t>
-            </a:r>
-            <a:endParaRPr lang="pl-PL" sz="4000" dirty="0"/>
-          </a:p>
-          <a:p>
-            <a:r>
-              <a:rPr lang="pl-PL" sz="4000" dirty="0"/>
-              <a:t>Tidy (meta)data in Excel</a:t>
-            </a:r>
-          </a:p>
-          <a:p>
-            <a:r>
-              <a:rPr lang="pl-PL" sz="4000" dirty="0"/>
-              <a:t>Files organization</a:t>
-            </a:r>
-          </a:p>
-          <a:p>
-            <a:r>
-              <a:rPr lang="pl-PL" sz="4000" dirty="0"/>
-              <a:t>Jupyter for reusable analysis</a:t>
-            </a:r>
-          </a:p>
-          <a:p>
-            <a:r>
-              <a:rPr lang="pl-PL" sz="4000" dirty="0"/>
-              <a:t>Public repositories</a:t>
-            </a:r>
-            <a:endParaRPr lang="en-GB" sz="4000" dirty="0"/>
+          <a:bodyPr>
+            <a:normAutofit/>
+          </a:bodyPr>
+          <a:lstStyle/>
+          <a:p>
+            <a:pPr marL="0" indent="0">
+              <a:buNone/>
+            </a:pPr>
+            <a:r>
+              <a:rPr lang="pl-PL" sz="3200" dirty="0"/>
+              <a:t>Introductions</a:t>
+            </a:r>
+            <a:endParaRPr lang="en-GB" sz="3200" dirty="0"/>
           </a:p>
         </p:txBody>
       </p:sp>
     </p:spTree>
     <p:extLst>
       <p:ext uri="{BB962C8B-B14F-4D97-AF65-F5344CB8AC3E}">
-        <p14:creationId xmlns:p14="http://schemas.microsoft.com/office/powerpoint/2010/main" val="900543552"/>
+        <p14:creationId xmlns:p14="http://schemas.microsoft.com/office/powerpoint/2010/main" val="4055394314"/>
       </p:ext>
     </p:extLst>
   </p:cSld>

--- a/00_Welcome_v1.0.pptx
+++ b/00_Welcome_v1.0.pptx
@@ -245,7 +245,7 @@
           <a:p>
             <a:fld id="{CC29EC85-173F-467E-B364-65AD14726A23}" type="datetimeFigureOut">
               <a:rPr lang="en-GB" smtClean="0"/>
-              <a:t>01/03/2024</a:t>
+              <a:t>22/03/2024</a:t>
             </a:fld>
             <a:endParaRPr lang="en-GB"/>
           </a:p>
@@ -462,7 +462,7 @@
           <a:p>
             <a:fld id="{CC29EC85-173F-467E-B364-65AD14726A23}" type="datetimeFigureOut">
               <a:rPr lang="en-GB" smtClean="0"/>
-              <a:t>01/03/2024</a:t>
+              <a:t>22/03/2024</a:t>
             </a:fld>
             <a:endParaRPr lang="en-GB"/>
           </a:p>
@@ -642,7 +642,7 @@
           <a:p>
             <a:fld id="{CC29EC85-173F-467E-B364-65AD14726A23}" type="datetimeFigureOut">
               <a:rPr lang="en-GB" smtClean="0"/>
-              <a:t>01/03/2024</a:t>
+              <a:t>22/03/2024</a:t>
             </a:fld>
             <a:endParaRPr lang="en-GB"/>
           </a:p>
@@ -812,7 +812,7 @@
           <a:p>
             <a:fld id="{CC29EC85-173F-467E-B364-65AD14726A23}" type="datetimeFigureOut">
               <a:rPr lang="en-GB" smtClean="0"/>
-              <a:t>01/03/2024</a:t>
+              <a:t>22/03/2024</a:t>
             </a:fld>
             <a:endParaRPr lang="en-GB"/>
           </a:p>
@@ -1058,7 +1058,7 @@
           <a:p>
             <a:fld id="{CC29EC85-173F-467E-B364-65AD14726A23}" type="datetimeFigureOut">
               <a:rPr lang="en-GB" smtClean="0"/>
-              <a:t>01/03/2024</a:t>
+              <a:t>22/03/2024</a:t>
             </a:fld>
             <a:endParaRPr lang="en-GB"/>
           </a:p>
@@ -1290,7 +1290,7 @@
           <a:p>
             <a:fld id="{CC29EC85-173F-467E-B364-65AD14726A23}" type="datetimeFigureOut">
               <a:rPr lang="en-GB" smtClean="0"/>
-              <a:t>01/03/2024</a:t>
+              <a:t>22/03/2024</a:t>
             </a:fld>
             <a:endParaRPr lang="en-GB"/>
           </a:p>
@@ -1657,7 +1657,7 @@
           <a:p>
             <a:fld id="{CC29EC85-173F-467E-B364-65AD14726A23}" type="datetimeFigureOut">
               <a:rPr lang="en-GB" smtClean="0"/>
-              <a:t>01/03/2024</a:t>
+              <a:t>22/03/2024</a:t>
             </a:fld>
             <a:endParaRPr lang="en-GB"/>
           </a:p>
@@ -1775,7 +1775,7 @@
           <a:p>
             <a:fld id="{CC29EC85-173F-467E-B364-65AD14726A23}" type="datetimeFigureOut">
               <a:rPr lang="en-GB" smtClean="0"/>
-              <a:t>01/03/2024</a:t>
+              <a:t>22/03/2024</a:t>
             </a:fld>
             <a:endParaRPr lang="en-GB"/>
           </a:p>
@@ -1870,7 +1870,7 @@
           <a:p>
             <a:fld id="{CC29EC85-173F-467E-B364-65AD14726A23}" type="datetimeFigureOut">
               <a:rPr lang="en-GB" smtClean="0"/>
-              <a:t>01/03/2024</a:t>
+              <a:t>22/03/2024</a:t>
             </a:fld>
             <a:endParaRPr lang="en-GB"/>
           </a:p>
@@ -2147,7 +2147,7 @@
           <a:p>
             <a:fld id="{CC29EC85-173F-467E-B364-65AD14726A23}" type="datetimeFigureOut">
               <a:rPr lang="en-GB" smtClean="0"/>
-              <a:t>01/03/2024</a:t>
+              <a:t>22/03/2024</a:t>
             </a:fld>
             <a:endParaRPr lang="en-GB"/>
           </a:p>
@@ -2400,7 +2400,7 @@
           <a:p>
             <a:fld id="{CC29EC85-173F-467E-B364-65AD14726A23}" type="datetimeFigureOut">
               <a:rPr lang="en-GB" smtClean="0"/>
-              <a:t>01/03/2024</a:t>
+              <a:t>22/03/2024</a:t>
             </a:fld>
             <a:endParaRPr lang="en-GB"/>
           </a:p>
@@ -2612,7 +2612,7 @@
             <a:fld id="{CC29EC85-173F-467E-B364-65AD14726A23}" type="datetimeFigureOut">
               <a:rPr lang="en-GB" smtClean="0"/>
               <a:pPr/>
-              <a:t>01/03/2024</a:t>
+              <a:t>22/03/2024</a:t>
             </a:fld>
             <a:endParaRPr lang="en-GB"/>
           </a:p>
@@ -3208,8 +3208,13 @@
           <a:p>
             <a:r>
               <a:rPr lang="pl-PL" sz="4000" dirty="0"/>
-              <a:t>Tidy (meta)data in Excel</a:t>
-            </a:r>
+              <a:t>Tidy (meta)</a:t>
+            </a:r>
+            <a:r>
+              <a:rPr lang="pl-PL" sz="4000"/>
+              <a:t>data tables</a:t>
+            </a:r>
+            <a:endParaRPr lang="pl-PL" sz="4000" dirty="0"/>
           </a:p>
           <a:p>
             <a:r>
